--- a/architecture.pptx
+++ b/architecture.pptx
@@ -104,6 +104,11 @@
       </a:defRPr>
     </a:lvl9pPr>
   </p:defaultTextStyle>
+  <p:extLst>
+    <p:ext uri="{EFAFB233-063F-42B5-8137-9DF3F51BA10A}">
+      <p15:sldGuideLst xmlns:p15="http://schemas.microsoft.com/office/powerpoint/2012/main"/>
+    </p:ext>
+  </p:extLst>
 </p:presentation>
 </file>
 
@@ -149,7 +154,7 @@
           </a:lstStyle>
           <a:p>
             <a:r>
-              <a:rPr lang="en-US" smtClean="0"/>
+              <a:rPr lang="en-US"/>
               <a:t>Click to edit Master title style</a:t>
             </a:r>
             <a:endParaRPr lang="fi-FI"/>
@@ -214,7 +219,7 @@
           </a:lstStyle>
           <a:p>
             <a:r>
-              <a:rPr lang="en-US" smtClean="0"/>
+              <a:rPr lang="en-US"/>
               <a:t>Click to edit Master subtitle style</a:t>
             </a:r>
             <a:endParaRPr lang="fi-FI"/>
@@ -238,7 +243,7 @@
           <a:p>
             <a:fld id="{7F7C6932-02F5-43FB-AA10-F746F5121AF4}" type="datetimeFigureOut">
               <a:rPr lang="fi-FI" smtClean="0"/>
-              <a:t>8.1.2017</a:t>
+              <a:t>9.2.2022</a:t>
             </a:fld>
             <a:endParaRPr lang="fi-FI"/>
           </a:p>
@@ -332,7 +337,7 @@
           <a:lstStyle/>
           <a:p>
             <a:r>
-              <a:rPr lang="en-US" smtClean="0"/>
+              <a:rPr lang="en-US"/>
               <a:t>Click to edit Master title style</a:t>
             </a:r>
             <a:endParaRPr lang="fi-FI"/>
@@ -356,35 +361,35 @@
           <a:p>
             <a:pPr lvl="0"/>
             <a:r>
-              <a:rPr lang="en-US" smtClean="0"/>
+              <a:rPr lang="en-US"/>
               <a:t>Click to edit Master text styles</a:t>
             </a:r>
           </a:p>
           <a:p>
             <a:pPr lvl="1"/>
             <a:r>
-              <a:rPr lang="en-US" smtClean="0"/>
+              <a:rPr lang="en-US"/>
               <a:t>Second level</a:t>
             </a:r>
           </a:p>
           <a:p>
             <a:pPr lvl="2"/>
             <a:r>
-              <a:rPr lang="en-US" smtClean="0"/>
+              <a:rPr lang="en-US"/>
               <a:t>Third level</a:t>
             </a:r>
           </a:p>
           <a:p>
             <a:pPr lvl="3"/>
             <a:r>
-              <a:rPr lang="en-US" smtClean="0"/>
+              <a:rPr lang="en-US"/>
               <a:t>Fourth level</a:t>
             </a:r>
           </a:p>
           <a:p>
             <a:pPr lvl="4"/>
             <a:r>
-              <a:rPr lang="en-US" smtClean="0"/>
+              <a:rPr lang="en-US"/>
               <a:t>Fifth level</a:t>
             </a:r>
             <a:endParaRPr lang="fi-FI"/>
@@ -408,7 +413,7 @@
           <a:p>
             <a:fld id="{7F7C6932-02F5-43FB-AA10-F746F5121AF4}" type="datetimeFigureOut">
               <a:rPr lang="fi-FI" smtClean="0"/>
-              <a:t>8.1.2017</a:t>
+              <a:t>9.2.2022</a:t>
             </a:fld>
             <a:endParaRPr lang="fi-FI"/>
           </a:p>
@@ -507,7 +512,7 @@
           <a:lstStyle/>
           <a:p>
             <a:r>
-              <a:rPr lang="en-US" smtClean="0"/>
+              <a:rPr lang="en-US"/>
               <a:t>Click to edit Master title style</a:t>
             </a:r>
             <a:endParaRPr lang="fi-FI"/>
@@ -536,35 +541,35 @@
           <a:p>
             <a:pPr lvl="0"/>
             <a:r>
-              <a:rPr lang="en-US" smtClean="0"/>
+              <a:rPr lang="en-US"/>
               <a:t>Click to edit Master text styles</a:t>
             </a:r>
           </a:p>
           <a:p>
             <a:pPr lvl="1"/>
             <a:r>
-              <a:rPr lang="en-US" smtClean="0"/>
+              <a:rPr lang="en-US"/>
               <a:t>Second level</a:t>
             </a:r>
           </a:p>
           <a:p>
             <a:pPr lvl="2"/>
             <a:r>
-              <a:rPr lang="en-US" smtClean="0"/>
+              <a:rPr lang="en-US"/>
               <a:t>Third level</a:t>
             </a:r>
           </a:p>
           <a:p>
             <a:pPr lvl="3"/>
             <a:r>
-              <a:rPr lang="en-US" smtClean="0"/>
+              <a:rPr lang="en-US"/>
               <a:t>Fourth level</a:t>
             </a:r>
           </a:p>
           <a:p>
             <a:pPr lvl="4"/>
             <a:r>
-              <a:rPr lang="en-US" smtClean="0"/>
+              <a:rPr lang="en-US"/>
               <a:t>Fifth level</a:t>
             </a:r>
             <a:endParaRPr lang="fi-FI"/>
@@ -588,7 +593,7 @@
           <a:p>
             <a:fld id="{7F7C6932-02F5-43FB-AA10-F746F5121AF4}" type="datetimeFigureOut">
               <a:rPr lang="fi-FI" smtClean="0"/>
-              <a:t>8.1.2017</a:t>
+              <a:t>9.2.2022</a:t>
             </a:fld>
             <a:endParaRPr lang="fi-FI"/>
           </a:p>
@@ -682,7 +687,7 @@
           <a:lstStyle/>
           <a:p>
             <a:r>
-              <a:rPr lang="en-US" smtClean="0"/>
+              <a:rPr lang="en-US"/>
               <a:t>Click to edit Master title style</a:t>
             </a:r>
             <a:endParaRPr lang="fi-FI"/>
@@ -706,35 +711,35 @@
           <a:p>
             <a:pPr lvl="0"/>
             <a:r>
-              <a:rPr lang="en-US" smtClean="0"/>
+              <a:rPr lang="en-US"/>
               <a:t>Click to edit Master text styles</a:t>
             </a:r>
           </a:p>
           <a:p>
             <a:pPr lvl="1"/>
             <a:r>
-              <a:rPr lang="en-US" smtClean="0"/>
+              <a:rPr lang="en-US"/>
               <a:t>Second level</a:t>
             </a:r>
           </a:p>
           <a:p>
             <a:pPr lvl="2"/>
             <a:r>
-              <a:rPr lang="en-US" smtClean="0"/>
+              <a:rPr lang="en-US"/>
               <a:t>Third level</a:t>
             </a:r>
           </a:p>
           <a:p>
             <a:pPr lvl="3"/>
             <a:r>
-              <a:rPr lang="en-US" smtClean="0"/>
+              <a:rPr lang="en-US"/>
               <a:t>Fourth level</a:t>
             </a:r>
           </a:p>
           <a:p>
             <a:pPr lvl="4"/>
             <a:r>
-              <a:rPr lang="en-US" smtClean="0"/>
+              <a:rPr lang="en-US"/>
               <a:t>Fifth level</a:t>
             </a:r>
             <a:endParaRPr lang="fi-FI"/>
@@ -758,7 +763,7 @@
           <a:p>
             <a:fld id="{7F7C6932-02F5-43FB-AA10-F746F5121AF4}" type="datetimeFigureOut">
               <a:rPr lang="fi-FI" smtClean="0"/>
-              <a:t>8.1.2017</a:t>
+              <a:t>9.2.2022</a:t>
             </a:fld>
             <a:endParaRPr lang="fi-FI"/>
           </a:p>
@@ -861,7 +866,7 @@
           </a:lstStyle>
           <a:p>
             <a:r>
-              <a:rPr lang="en-US" smtClean="0"/>
+              <a:rPr lang="en-US"/>
               <a:t>Click to edit Master title style</a:t>
             </a:r>
             <a:endParaRPr lang="fi-FI"/>
@@ -981,7 +986,7 @@
           <a:p>
             <a:pPr lvl="0"/>
             <a:r>
-              <a:rPr lang="en-US" smtClean="0"/>
+              <a:rPr lang="en-US"/>
               <a:t>Click to edit Master text styles</a:t>
             </a:r>
           </a:p>
@@ -1004,7 +1009,7 @@
           <a:p>
             <a:fld id="{7F7C6932-02F5-43FB-AA10-F746F5121AF4}" type="datetimeFigureOut">
               <a:rPr lang="fi-FI" smtClean="0"/>
-              <a:t>8.1.2017</a:t>
+              <a:t>9.2.2022</a:t>
             </a:fld>
             <a:endParaRPr lang="fi-FI"/>
           </a:p>
@@ -1098,7 +1103,7 @@
           <a:lstStyle/>
           <a:p>
             <a:r>
-              <a:rPr lang="en-US" smtClean="0"/>
+              <a:rPr lang="en-US"/>
               <a:t>Click to edit Master title style</a:t>
             </a:r>
             <a:endParaRPr lang="fi-FI"/>
@@ -1127,35 +1132,35 @@
           <a:p>
             <a:pPr lvl="0"/>
             <a:r>
-              <a:rPr lang="en-US" smtClean="0"/>
+              <a:rPr lang="en-US"/>
               <a:t>Click to edit Master text styles</a:t>
             </a:r>
           </a:p>
           <a:p>
             <a:pPr lvl="1"/>
             <a:r>
-              <a:rPr lang="en-US" smtClean="0"/>
+              <a:rPr lang="en-US"/>
               <a:t>Second level</a:t>
             </a:r>
           </a:p>
           <a:p>
             <a:pPr lvl="2"/>
             <a:r>
-              <a:rPr lang="en-US" smtClean="0"/>
+              <a:rPr lang="en-US"/>
               <a:t>Third level</a:t>
             </a:r>
           </a:p>
           <a:p>
             <a:pPr lvl="3"/>
             <a:r>
-              <a:rPr lang="en-US" smtClean="0"/>
+              <a:rPr lang="en-US"/>
               <a:t>Fourth level</a:t>
             </a:r>
           </a:p>
           <a:p>
             <a:pPr lvl="4"/>
             <a:r>
-              <a:rPr lang="en-US" smtClean="0"/>
+              <a:rPr lang="en-US"/>
               <a:t>Fifth level</a:t>
             </a:r>
             <a:endParaRPr lang="fi-FI"/>
@@ -1184,35 +1189,35 @@
           <a:p>
             <a:pPr lvl="0"/>
             <a:r>
-              <a:rPr lang="en-US" smtClean="0"/>
+              <a:rPr lang="en-US"/>
               <a:t>Click to edit Master text styles</a:t>
             </a:r>
           </a:p>
           <a:p>
             <a:pPr lvl="1"/>
             <a:r>
-              <a:rPr lang="en-US" smtClean="0"/>
+              <a:rPr lang="en-US"/>
               <a:t>Second level</a:t>
             </a:r>
           </a:p>
           <a:p>
             <a:pPr lvl="2"/>
             <a:r>
-              <a:rPr lang="en-US" smtClean="0"/>
+              <a:rPr lang="en-US"/>
               <a:t>Third level</a:t>
             </a:r>
           </a:p>
           <a:p>
             <a:pPr lvl="3"/>
             <a:r>
-              <a:rPr lang="en-US" smtClean="0"/>
+              <a:rPr lang="en-US"/>
               <a:t>Fourth level</a:t>
             </a:r>
           </a:p>
           <a:p>
             <a:pPr lvl="4"/>
             <a:r>
-              <a:rPr lang="en-US" smtClean="0"/>
+              <a:rPr lang="en-US"/>
               <a:t>Fifth level</a:t>
             </a:r>
             <a:endParaRPr lang="fi-FI"/>
@@ -1236,7 +1241,7 @@
           <a:p>
             <a:fld id="{7F7C6932-02F5-43FB-AA10-F746F5121AF4}" type="datetimeFigureOut">
               <a:rPr lang="fi-FI" smtClean="0"/>
-              <a:t>8.1.2017</a:t>
+              <a:t>9.2.2022</a:t>
             </a:fld>
             <a:endParaRPr lang="fi-FI"/>
           </a:p>
@@ -1335,7 +1340,7 @@
           <a:lstStyle/>
           <a:p>
             <a:r>
-              <a:rPr lang="en-US" smtClean="0"/>
+              <a:rPr lang="en-US"/>
               <a:t>Click to edit Master title style</a:t>
             </a:r>
             <a:endParaRPr lang="fi-FI"/>
@@ -1401,7 +1406,7 @@
           <a:p>
             <a:pPr lvl="0"/>
             <a:r>
-              <a:rPr lang="en-US" smtClean="0"/>
+              <a:rPr lang="en-US"/>
               <a:t>Click to edit Master text styles</a:t>
             </a:r>
           </a:p>
@@ -1429,35 +1434,35 @@
           <a:p>
             <a:pPr lvl="0"/>
             <a:r>
-              <a:rPr lang="en-US" smtClean="0"/>
+              <a:rPr lang="en-US"/>
               <a:t>Click to edit Master text styles</a:t>
             </a:r>
           </a:p>
           <a:p>
             <a:pPr lvl="1"/>
             <a:r>
-              <a:rPr lang="en-US" smtClean="0"/>
+              <a:rPr lang="en-US"/>
               <a:t>Second level</a:t>
             </a:r>
           </a:p>
           <a:p>
             <a:pPr lvl="2"/>
             <a:r>
-              <a:rPr lang="en-US" smtClean="0"/>
+              <a:rPr lang="en-US"/>
               <a:t>Third level</a:t>
             </a:r>
           </a:p>
           <a:p>
             <a:pPr lvl="3"/>
             <a:r>
-              <a:rPr lang="en-US" smtClean="0"/>
+              <a:rPr lang="en-US"/>
               <a:t>Fourth level</a:t>
             </a:r>
           </a:p>
           <a:p>
             <a:pPr lvl="4"/>
             <a:r>
-              <a:rPr lang="en-US" smtClean="0"/>
+              <a:rPr lang="en-US"/>
               <a:t>Fifth level</a:t>
             </a:r>
             <a:endParaRPr lang="fi-FI"/>
@@ -1523,7 +1528,7 @@
           <a:p>
             <a:pPr lvl="0"/>
             <a:r>
-              <a:rPr lang="en-US" smtClean="0"/>
+              <a:rPr lang="en-US"/>
               <a:t>Click to edit Master text styles</a:t>
             </a:r>
           </a:p>
@@ -1551,35 +1556,35 @@
           <a:p>
             <a:pPr lvl="0"/>
             <a:r>
-              <a:rPr lang="en-US" smtClean="0"/>
+              <a:rPr lang="en-US"/>
               <a:t>Click to edit Master text styles</a:t>
             </a:r>
           </a:p>
           <a:p>
             <a:pPr lvl="1"/>
             <a:r>
-              <a:rPr lang="en-US" smtClean="0"/>
+              <a:rPr lang="en-US"/>
               <a:t>Second level</a:t>
             </a:r>
           </a:p>
           <a:p>
             <a:pPr lvl="2"/>
             <a:r>
-              <a:rPr lang="en-US" smtClean="0"/>
+              <a:rPr lang="en-US"/>
               <a:t>Third level</a:t>
             </a:r>
           </a:p>
           <a:p>
             <a:pPr lvl="3"/>
             <a:r>
-              <a:rPr lang="en-US" smtClean="0"/>
+              <a:rPr lang="en-US"/>
               <a:t>Fourth level</a:t>
             </a:r>
           </a:p>
           <a:p>
             <a:pPr lvl="4"/>
             <a:r>
-              <a:rPr lang="en-US" smtClean="0"/>
+              <a:rPr lang="en-US"/>
               <a:t>Fifth level</a:t>
             </a:r>
             <a:endParaRPr lang="fi-FI"/>
@@ -1603,7 +1608,7 @@
           <a:p>
             <a:fld id="{7F7C6932-02F5-43FB-AA10-F746F5121AF4}" type="datetimeFigureOut">
               <a:rPr lang="fi-FI" smtClean="0"/>
-              <a:t>8.1.2017</a:t>
+              <a:t>9.2.2022</a:t>
             </a:fld>
             <a:endParaRPr lang="fi-FI"/>
           </a:p>
@@ -1697,7 +1702,7 @@
           <a:lstStyle/>
           <a:p>
             <a:r>
-              <a:rPr lang="en-US" smtClean="0"/>
+              <a:rPr lang="en-US"/>
               <a:t>Click to edit Master title style</a:t>
             </a:r>
             <a:endParaRPr lang="fi-FI"/>
@@ -1721,7 +1726,7 @@
           <a:p>
             <a:fld id="{7F7C6932-02F5-43FB-AA10-F746F5121AF4}" type="datetimeFigureOut">
               <a:rPr lang="fi-FI" smtClean="0"/>
-              <a:t>8.1.2017</a:t>
+              <a:t>9.2.2022</a:t>
             </a:fld>
             <a:endParaRPr lang="fi-FI"/>
           </a:p>
@@ -1816,7 +1821,7 @@
           <a:p>
             <a:fld id="{7F7C6932-02F5-43FB-AA10-F746F5121AF4}" type="datetimeFigureOut">
               <a:rPr lang="fi-FI" smtClean="0"/>
-              <a:t>8.1.2017</a:t>
+              <a:t>9.2.2022</a:t>
             </a:fld>
             <a:endParaRPr lang="fi-FI"/>
           </a:p>
@@ -1919,7 +1924,7 @@
           </a:lstStyle>
           <a:p>
             <a:r>
-              <a:rPr lang="en-US" smtClean="0"/>
+              <a:rPr lang="en-US"/>
               <a:t>Click to edit Master title style</a:t>
             </a:r>
             <a:endParaRPr lang="fi-FI"/>
@@ -1976,35 +1981,35 @@
           <a:p>
             <a:pPr lvl="0"/>
             <a:r>
-              <a:rPr lang="en-US" smtClean="0"/>
+              <a:rPr lang="en-US"/>
               <a:t>Click to edit Master text styles</a:t>
             </a:r>
           </a:p>
           <a:p>
             <a:pPr lvl="1"/>
             <a:r>
-              <a:rPr lang="en-US" smtClean="0"/>
+              <a:rPr lang="en-US"/>
               <a:t>Second level</a:t>
             </a:r>
           </a:p>
           <a:p>
             <a:pPr lvl="2"/>
             <a:r>
-              <a:rPr lang="en-US" smtClean="0"/>
+              <a:rPr lang="en-US"/>
               <a:t>Third level</a:t>
             </a:r>
           </a:p>
           <a:p>
             <a:pPr lvl="3"/>
             <a:r>
-              <a:rPr lang="en-US" smtClean="0"/>
+              <a:rPr lang="en-US"/>
               <a:t>Fourth level</a:t>
             </a:r>
           </a:p>
           <a:p>
             <a:pPr lvl="4"/>
             <a:r>
-              <a:rPr lang="en-US" smtClean="0"/>
+              <a:rPr lang="en-US"/>
               <a:t>Fifth level</a:t>
             </a:r>
             <a:endParaRPr lang="fi-FI"/>
@@ -2070,7 +2075,7 @@
           <a:p>
             <a:pPr lvl="0"/>
             <a:r>
-              <a:rPr lang="en-US" smtClean="0"/>
+              <a:rPr lang="en-US"/>
               <a:t>Click to edit Master text styles</a:t>
             </a:r>
           </a:p>
@@ -2093,7 +2098,7 @@
           <a:p>
             <a:fld id="{7F7C6932-02F5-43FB-AA10-F746F5121AF4}" type="datetimeFigureOut">
               <a:rPr lang="fi-FI" smtClean="0"/>
-              <a:t>8.1.2017</a:t>
+              <a:t>9.2.2022</a:t>
             </a:fld>
             <a:endParaRPr lang="fi-FI"/>
           </a:p>
@@ -2196,7 +2201,7 @@
           </a:lstStyle>
           <a:p>
             <a:r>
-              <a:rPr lang="en-US" smtClean="0"/>
+              <a:rPr lang="en-US"/>
               <a:t>Click to edit Master title style</a:t>
             </a:r>
             <a:endParaRPr lang="fi-FI"/>
@@ -2323,7 +2328,7 @@
           <a:p>
             <a:pPr lvl="0"/>
             <a:r>
-              <a:rPr lang="en-US" smtClean="0"/>
+              <a:rPr lang="en-US"/>
               <a:t>Click to edit Master text styles</a:t>
             </a:r>
           </a:p>
@@ -2346,7 +2351,7 @@
           <a:p>
             <a:fld id="{7F7C6932-02F5-43FB-AA10-F746F5121AF4}" type="datetimeFigureOut">
               <a:rPr lang="fi-FI" smtClean="0"/>
-              <a:t>8.1.2017</a:t>
+              <a:t>9.2.2022</a:t>
             </a:fld>
             <a:endParaRPr lang="fi-FI"/>
           </a:p>
@@ -2455,7 +2460,7 @@
           <a:lstStyle/>
           <a:p>
             <a:r>
-              <a:rPr lang="en-US" smtClean="0"/>
+              <a:rPr lang="en-US"/>
               <a:t>Click to edit Master title style</a:t>
             </a:r>
             <a:endParaRPr lang="fi-FI"/>
@@ -2489,35 +2494,35 @@
           <a:p>
             <a:pPr lvl="0"/>
             <a:r>
-              <a:rPr lang="en-US" smtClean="0"/>
+              <a:rPr lang="en-US"/>
               <a:t>Click to edit Master text styles</a:t>
             </a:r>
           </a:p>
           <a:p>
             <a:pPr lvl="1"/>
             <a:r>
-              <a:rPr lang="en-US" smtClean="0"/>
+              <a:rPr lang="en-US"/>
               <a:t>Second level</a:t>
             </a:r>
           </a:p>
           <a:p>
             <a:pPr lvl="2"/>
             <a:r>
-              <a:rPr lang="en-US" smtClean="0"/>
+              <a:rPr lang="en-US"/>
               <a:t>Third level</a:t>
             </a:r>
           </a:p>
           <a:p>
             <a:pPr lvl="3"/>
             <a:r>
-              <a:rPr lang="en-US" smtClean="0"/>
+              <a:rPr lang="en-US"/>
               <a:t>Fourth level</a:t>
             </a:r>
           </a:p>
           <a:p>
             <a:pPr lvl="4"/>
             <a:r>
-              <a:rPr lang="en-US" smtClean="0"/>
+              <a:rPr lang="en-US"/>
               <a:t>Fifth level</a:t>
             </a:r>
             <a:endParaRPr lang="fi-FI"/>
@@ -2559,7 +2564,7 @@
           <a:p>
             <a:fld id="{7F7C6932-02F5-43FB-AA10-F746F5121AF4}" type="datetimeFigureOut">
               <a:rPr lang="fi-FI" smtClean="0"/>
-              <a:t>8.1.2017</a:t>
+              <a:t>9.2.2022</a:t>
             </a:fld>
             <a:endParaRPr lang="fi-FI"/>
           </a:p>
@@ -2964,36 +2969,6 @@
           <a:chExt cx="0" cy="0"/>
         </a:xfrm>
       </p:grpSpPr>
-      <p:pic>
-        <p:nvPicPr>
-          <p:cNvPr id="4" name="Picture 3"/>
-          <p:cNvPicPr>
-            <a:picLocks noChangeAspect="1"/>
-          </p:cNvPicPr>
-          <p:nvPr/>
-        </p:nvPicPr>
-        <p:blipFill>
-          <a:blip r:embed="rId2">
-            <a:extLst>
-              <a:ext uri="{28A0092B-C50C-407E-A947-70E740481C1C}">
-                <a14:useLocalDpi xmlns:a14="http://schemas.microsoft.com/office/drawing/2010/main" val="0"/>
-              </a:ext>
-            </a:extLst>
-          </a:blip>
-          <a:stretch>
-            <a:fillRect/>
-          </a:stretch>
-        </p:blipFill>
-        <p:spPr>
-          <a:xfrm>
-            <a:off x="5959705" y="5032355"/>
-            <a:ext cx="544781" cy="653738"/>
-          </a:xfrm>
-          <a:prstGeom prst="rect">
-            <a:avLst/>
-          </a:prstGeom>
-        </p:spPr>
-      </p:pic>
       <p:sp>
         <p:nvSpPr>
           <p:cNvPr id="5" name="Rounded Rectangle 4"/>
@@ -3002,8 +2977,8 @@
         </p:nvSpPr>
         <p:spPr>
           <a:xfrm>
-            <a:off x="566670" y="1880314"/>
-            <a:ext cx="11307651" cy="4584879"/>
+            <a:off x="575590" y="948906"/>
+            <a:ext cx="11307651" cy="5771071"/>
           </a:xfrm>
           <a:prstGeom prst="roundRect">
             <a:avLst/>
@@ -3040,44 +3015,13 @@
       </p:sp>
       <p:sp>
         <p:nvSpPr>
-          <p:cNvPr id="6" name="TextBox 5"/>
-          <p:cNvSpPr txBox="1"/>
-          <p:nvPr/>
-        </p:nvSpPr>
-        <p:spPr>
-          <a:xfrm>
-            <a:off x="5704140" y="5842195"/>
-            <a:ext cx="1066186" cy="391180"/>
-          </a:xfrm>
-          <a:prstGeom prst="rect">
-            <a:avLst/>
-          </a:prstGeom>
-          <a:noFill/>
-        </p:spPr>
-        <p:txBody>
-          <a:bodyPr wrap="square" lIns="0" tIns="0" rIns="0" bIns="0" rtlCol="0" anchor="t">
-            <a:noAutofit/>
-          </a:bodyPr>
-          <a:lstStyle/>
-          <a:p>
-            <a:pPr algn="ctr"/>
-            <a:r>
-              <a:rPr lang="en-US" b="1" dirty="0" smtClean="0"/>
-              <a:t>Amazon EC2</a:t>
-            </a:r>
-            <a:endParaRPr lang="en-US" sz="4000" b="1" dirty="0"/>
-          </a:p>
-        </p:txBody>
-      </p:sp>
-      <p:sp>
-        <p:nvSpPr>
           <p:cNvPr id="7" name="Rectangle 6"/>
           <p:cNvSpPr/>
           <p:nvPr/>
         </p:nvSpPr>
         <p:spPr>
           <a:xfrm>
-            <a:off x="8436366" y="2526265"/>
+            <a:off x="6119275" y="4252033"/>
             <a:ext cx="2321416" cy="2107983"/>
           </a:xfrm>
           <a:prstGeom prst="rect">
@@ -3117,36 +3061,6 @@
       </p:sp>
       <p:pic>
         <p:nvPicPr>
-          <p:cNvPr id="8" name="Picture 7"/>
-          <p:cNvPicPr>
-            <a:picLocks noChangeAspect="1"/>
-          </p:cNvPicPr>
-          <p:nvPr/>
-        </p:nvPicPr>
-        <p:blipFill>
-          <a:blip r:embed="rId3">
-            <a:extLst>
-              <a:ext uri="{28A0092B-C50C-407E-A947-70E740481C1C}">
-                <a14:useLocalDpi xmlns:a14="http://schemas.microsoft.com/office/drawing/2010/main" val="0"/>
-              </a:ext>
-            </a:extLst>
-          </a:blip>
-          <a:stretch>
-            <a:fillRect/>
-          </a:stretch>
-        </p:blipFill>
-        <p:spPr>
-          <a:xfrm>
-            <a:off x="2562897" y="2888303"/>
-            <a:ext cx="746974" cy="746974"/>
-          </a:xfrm>
-          <a:prstGeom prst="rect">
-            <a:avLst/>
-          </a:prstGeom>
-        </p:spPr>
-      </p:pic>
-      <p:pic>
-        <p:nvPicPr>
           <p:cNvPr id="1026" name="Picture 2" descr="AngularJS-Shield-small.png"/>
           <p:cNvPicPr>
             <a:picLocks noChangeAspect="1" noChangeArrowheads="1"/>
@@ -3154,7 +3068,7 @@
           <p:nvPr/>
         </p:nvPicPr>
         <p:blipFill>
-          <a:blip r:embed="rId4">
+          <a:blip r:embed="rId2">
             <a:extLst>
               <a:ext uri="{28A0092B-C50C-407E-A947-70E740481C1C}">
                 <a14:useLocalDpi xmlns:a14="http://schemas.microsoft.com/office/drawing/2010/main" val="0"/>
@@ -3168,8 +3082,8 @@
         </p:blipFill>
         <p:spPr bwMode="auto">
           <a:xfrm>
-            <a:off x="2494006" y="3693805"/>
-            <a:ext cx="748450" cy="786637"/>
+            <a:off x="2725764" y="2370955"/>
+            <a:ext cx="669089" cy="703227"/>
           </a:xfrm>
           <a:prstGeom prst="rect">
             <a:avLst/>
@@ -3194,7 +3108,7 @@
         </p:nvSpPr>
         <p:spPr>
           <a:xfrm>
-            <a:off x="2086378" y="2554171"/>
+            <a:off x="2252699" y="1252215"/>
             <a:ext cx="1596981" cy="369332"/>
           </a:xfrm>
           <a:prstGeom prst="rect">
@@ -3210,10 +3124,9 @@
           <a:p>
             <a:pPr algn="ctr"/>
             <a:r>
-              <a:rPr lang="fi-FI" dirty="0" smtClean="0"/>
+              <a:rPr lang="fi-FI" dirty="0"/>
               <a:t>GUI</a:t>
             </a:r>
-            <a:endParaRPr lang="fi-FI" dirty="0"/>
           </a:p>
         </p:txBody>
       </p:sp>
@@ -3225,7 +3138,7 @@
         </p:nvSpPr>
         <p:spPr>
           <a:xfrm>
-            <a:off x="5071386" y="2528409"/>
+            <a:off x="1902280" y="4252033"/>
             <a:ext cx="2321416" cy="2107983"/>
           </a:xfrm>
           <a:prstGeom prst="rect">
@@ -3271,7 +3184,7 @@
         </p:nvSpPr>
         <p:spPr>
           <a:xfrm>
-            <a:off x="5430925" y="2541292"/>
+            <a:off x="2261819" y="4264916"/>
             <a:ext cx="1596981" cy="369332"/>
           </a:xfrm>
           <a:prstGeom prst="rect">
@@ -3287,43 +3200,12 @@
           <a:p>
             <a:pPr algn="ctr"/>
             <a:r>
-              <a:rPr lang="fi-FI" dirty="0" smtClean="0"/>
+              <a:rPr lang="fi-FI" dirty="0"/>
               <a:t>API</a:t>
             </a:r>
-            <a:endParaRPr lang="fi-FI" dirty="0"/>
-          </a:p>
-        </p:txBody>
-      </p:sp>
-      <p:pic>
-        <p:nvPicPr>
-          <p:cNvPr id="14" name="Picture 13"/>
-          <p:cNvPicPr>
-            <a:picLocks noChangeAspect="1"/>
-          </p:cNvPicPr>
-          <p:nvPr/>
-        </p:nvPicPr>
-        <p:blipFill>
-          <a:blip r:embed="rId3">
-            <a:extLst>
-              <a:ext uri="{28A0092B-C50C-407E-A947-70E740481C1C}">
-                <a14:useLocalDpi xmlns:a14="http://schemas.microsoft.com/office/drawing/2010/main" val="0"/>
-              </a:ext>
-            </a:extLst>
-          </a:blip>
-          <a:stretch>
-            <a:fillRect/>
-          </a:stretch>
-        </p:blipFill>
-        <p:spPr>
-          <a:xfrm>
-            <a:off x="5910043" y="2914061"/>
-            <a:ext cx="746974" cy="746974"/>
-          </a:xfrm>
-          <a:prstGeom prst="rect">
-            <a:avLst/>
-          </a:prstGeom>
-        </p:spPr>
-      </p:pic>
+          </a:p>
+        </p:txBody>
+      </p:sp>
       <p:pic>
         <p:nvPicPr>
           <p:cNvPr id="1028" name="Picture 4" descr="Kuvahaun tulos haulle springboot logo"/>
@@ -3333,7 +3215,7 @@
           <p:nvPr/>
         </p:nvPicPr>
         <p:blipFill>
-          <a:blip r:embed="rId5">
+          <a:blip r:embed="rId3">
             <a:extLst>
               <a:ext uri="{28A0092B-C50C-407E-A947-70E740481C1C}">
                 <a14:useLocalDpi xmlns:a14="http://schemas.microsoft.com/office/drawing/2010/main" val="0"/>
@@ -3347,8 +3229,8 @@
         </p:blipFill>
         <p:spPr bwMode="auto">
           <a:xfrm>
-            <a:off x="5296435" y="3791255"/>
-            <a:ext cx="1821686" cy="572531"/>
+            <a:off x="2681539" y="5551316"/>
+            <a:ext cx="1396921" cy="439033"/>
           </a:xfrm>
           <a:prstGeom prst="rect">
             <a:avLst/>
@@ -3373,7 +3255,7 @@
         </p:nvSpPr>
         <p:spPr>
           <a:xfrm>
-            <a:off x="1733281" y="2526265"/>
+            <a:off x="1902280" y="1254585"/>
             <a:ext cx="2321416" cy="2107983"/>
           </a:xfrm>
           <a:prstGeom prst="rect">
@@ -3411,36 +3293,6 @@
           </a:p>
         </p:txBody>
       </p:sp>
-      <p:pic>
-        <p:nvPicPr>
-          <p:cNvPr id="18" name="Picture 17"/>
-          <p:cNvPicPr>
-            <a:picLocks noChangeAspect="1"/>
-          </p:cNvPicPr>
-          <p:nvPr/>
-        </p:nvPicPr>
-        <p:blipFill>
-          <a:blip r:embed="rId3">
-            <a:extLst>
-              <a:ext uri="{28A0092B-C50C-407E-A947-70E740481C1C}">
-                <a14:useLocalDpi xmlns:a14="http://schemas.microsoft.com/office/drawing/2010/main" val="0"/>
-              </a:ext>
-            </a:extLst>
-          </a:blip>
-          <a:stretch>
-            <a:fillRect/>
-          </a:stretch>
-        </p:blipFill>
-        <p:spPr>
-          <a:xfrm>
-            <a:off x="9284180" y="2921355"/>
-            <a:ext cx="746974" cy="746974"/>
-          </a:xfrm>
-          <a:prstGeom prst="rect">
-            <a:avLst/>
-          </a:prstGeom>
-        </p:spPr>
-      </p:pic>
       <p:sp>
         <p:nvSpPr>
           <p:cNvPr id="20" name="TextBox 19"/>
@@ -3449,7 +3301,7 @@
         </p:nvSpPr>
         <p:spPr>
           <a:xfrm>
-            <a:off x="8815926" y="2564902"/>
+            <a:off x="6498835" y="4290670"/>
             <a:ext cx="1596981" cy="369332"/>
           </a:xfrm>
           <a:prstGeom prst="rect">
@@ -3465,10 +3317,9 @@
           <a:p>
             <a:pPr algn="ctr"/>
             <a:r>
-              <a:rPr lang="fi-FI" dirty="0" smtClean="0"/>
+              <a:rPr lang="fi-FI" dirty="0"/>
               <a:t>DB</a:t>
             </a:r>
-            <a:endParaRPr lang="fi-FI" dirty="0"/>
           </a:p>
         </p:txBody>
       </p:sp>
@@ -3481,7 +3332,7 @@
           <p:nvPr/>
         </p:nvPicPr>
         <p:blipFill>
-          <a:blip r:embed="rId6" cstate="print">
+          <a:blip r:embed="rId4" cstate="print">
             <a:extLst>
               <a:ext uri="{28A0092B-C50C-407E-A947-70E740481C1C}">
                 <a14:useLocalDpi xmlns:a14="http://schemas.microsoft.com/office/drawing/2010/main" val="0"/>
@@ -3495,7 +3346,7 @@
         </p:blipFill>
         <p:spPr bwMode="auto">
           <a:xfrm>
-            <a:off x="8880321" y="3889099"/>
+            <a:off x="6563230" y="5614867"/>
             <a:ext cx="1610352" cy="436808"/>
           </a:xfrm>
           <a:prstGeom prst="rect">
@@ -3517,15 +3368,16 @@
         <p:nvCxnSpPr>
           <p:cNvPr id="15" name="Straight Arrow Connector 14"/>
           <p:cNvCxnSpPr>
+            <a:cxnSpLocks/>
             <a:stCxn id="22" idx="2"/>
-            <a:endCxn id="10" idx="0"/>
+            <a:endCxn id="16" idx="0"/>
           </p:cNvCxnSpPr>
           <p:nvPr/>
         </p:nvCxnSpPr>
         <p:spPr>
           <a:xfrm flipH="1">
-            <a:off x="2884869" y="755698"/>
-            <a:ext cx="12876" cy="1798473"/>
+            <a:off x="3062988" y="699130"/>
+            <a:ext cx="7745" cy="555455"/>
           </a:xfrm>
           <a:prstGeom prst="straightConnector1">
             <a:avLst/>
@@ -3556,14 +3408,16 @@
         <p:nvCxnSpPr>
           <p:cNvPr id="25" name="Straight Arrow Connector 24"/>
           <p:cNvCxnSpPr>
+            <a:cxnSpLocks/>
             <a:stCxn id="27" idx="2"/>
+            <a:endCxn id="13" idx="0"/>
           </p:cNvCxnSpPr>
           <p:nvPr/>
         </p:nvCxnSpPr>
         <p:spPr>
-          <a:xfrm flipH="1">
-            <a:off x="6232094" y="779309"/>
-            <a:ext cx="12013" cy="1729779"/>
+          <a:xfrm>
+            <a:off x="3060309" y="4003607"/>
+            <a:ext cx="1" cy="261309"/>
           </a:xfrm>
           <a:prstGeom prst="straightConnector1">
             <a:avLst/>
@@ -3598,7 +3452,7 @@
         </p:nvSpPr>
         <p:spPr>
           <a:xfrm>
-            <a:off x="1442432" y="386366"/>
+            <a:off x="1615420" y="329798"/>
             <a:ext cx="2910626" cy="369332"/>
           </a:xfrm>
           <a:prstGeom prst="rect">
@@ -3619,10 +3473,9 @@
           <a:p>
             <a:pPr algn="ctr"/>
             <a:r>
-              <a:rPr lang="fi-FI" dirty="0" smtClean="0"/>
-              <a:t>&lt;public IP&gt;:8081/</a:t>
-            </a:r>
-            <a:endParaRPr lang="fi-FI" dirty="0"/>
+              <a:rPr lang="fi-FI" dirty="0"/>
+              <a:t>https://&lt;public IP&gt;:8081/</a:t>
+            </a:r>
           </a:p>
         </p:txBody>
       </p:sp>
@@ -3634,8 +3487,8 @@
         </p:nvSpPr>
         <p:spPr>
           <a:xfrm>
-            <a:off x="4788794" y="409977"/>
-            <a:ext cx="2910626" cy="369332"/>
+            <a:off x="1268713" y="3634275"/>
+            <a:ext cx="3583192" cy="369332"/>
           </a:xfrm>
           <a:prstGeom prst="rect">
             <a:avLst/>
@@ -3655,14 +3508,9 @@
           <a:p>
             <a:pPr algn="ctr"/>
             <a:r>
-              <a:rPr lang="fi-FI" dirty="0" smtClean="0"/>
-              <a:t>&lt;public IP&gt;:8080/api/trails</a:t>
-            </a:r>
-            <a:r>
               <a:rPr lang="fi-FI" dirty="0"/>
-              <a:t>/</a:t>
-            </a:r>
-            <a:endParaRPr lang="fi-FI" dirty="0" smtClean="0"/>
+              <a:t>https://&lt;public IP&gt;:8080/api/trails/</a:t>
+            </a:r>
           </a:p>
         </p:txBody>
       </p:sp>
@@ -3670,15 +3518,16 @@
         <p:nvCxnSpPr>
           <p:cNvPr id="28" name="Straight Arrow Connector 27"/>
           <p:cNvCxnSpPr>
-            <a:stCxn id="16" idx="3"/>
-            <a:endCxn id="12" idx="1"/>
+            <a:cxnSpLocks/>
+            <a:stCxn id="16" idx="2"/>
+            <a:endCxn id="27" idx="0"/>
           </p:cNvCxnSpPr>
           <p:nvPr/>
         </p:nvCxnSpPr>
         <p:spPr>
-          <a:xfrm>
-            <a:off x="4054697" y="3580257"/>
-            <a:ext cx="1016689" cy="2144"/>
+          <a:xfrm flipH="1">
+            <a:off x="3060309" y="3362568"/>
+            <a:ext cx="2679" cy="271707"/>
           </a:xfrm>
           <a:prstGeom prst="straightConnector1">
             <a:avLst/>
@@ -3705,37 +3554,6 @@
           </a:fontRef>
         </p:style>
       </p:cxnSp>
-      <p:sp>
-        <p:nvSpPr>
-          <p:cNvPr id="29" name="TextBox 28"/>
-          <p:cNvSpPr txBox="1"/>
-          <p:nvPr/>
-        </p:nvSpPr>
-        <p:spPr>
-          <a:xfrm>
-            <a:off x="4080411" y="3245476"/>
-            <a:ext cx="990975" cy="369332"/>
-          </a:xfrm>
-          <a:prstGeom prst="rect">
-            <a:avLst/>
-          </a:prstGeom>
-          <a:noFill/>
-        </p:spPr>
-        <p:txBody>
-          <a:bodyPr wrap="square" rtlCol="0">
-            <a:spAutoFit/>
-          </a:bodyPr>
-          <a:lstStyle/>
-          <a:p>
-            <a:pPr algn="ctr"/>
-            <a:r>
-              <a:rPr lang="fi-FI" dirty="0" smtClean="0"/>
-              <a:t>8080</a:t>
-            </a:r>
-            <a:endParaRPr lang="fi-FI" dirty="0"/>
-          </a:p>
-        </p:txBody>
-      </p:sp>
       <p:cxnSp>
         <p:nvCxnSpPr>
           <p:cNvPr id="31" name="Straight Arrow Connector 30"/>
@@ -3746,9 +3564,9 @@
           <p:nvPr/>
         </p:nvCxnSpPr>
         <p:spPr>
-          <a:xfrm flipV="1">
-            <a:off x="7392802" y="3580257"/>
-            <a:ext cx="1043564" cy="2144"/>
+          <a:xfrm>
+            <a:off x="4223696" y="5306025"/>
+            <a:ext cx="1895579" cy="0"/>
           </a:xfrm>
           <a:prstGeom prst="straightConnector1">
             <a:avLst/>
@@ -3783,7 +3601,7 @@
         </p:nvSpPr>
         <p:spPr>
           <a:xfrm>
-            <a:off x="7392642" y="3245476"/>
+            <a:off x="4649623" y="5386733"/>
             <a:ext cx="1043724" cy="369332"/>
           </a:xfrm>
           <a:prstGeom prst="rect">
@@ -3799,13 +3617,483 @@
           <a:p>
             <a:pPr algn="ctr"/>
             <a:r>
-              <a:rPr lang="fi-FI" dirty="0" smtClean="0"/>
+              <a:rPr lang="fi-FI" dirty="0"/>
               <a:t>27017</a:t>
             </a:r>
-            <a:endParaRPr lang="fi-FI" dirty="0"/>
-          </a:p>
-        </p:txBody>
-      </p:sp>
+          </a:p>
+        </p:txBody>
+      </p:sp>
+      <p:sp>
+        <p:nvSpPr>
+          <p:cNvPr id="58" name="TextBox 57">
+            <a:extLst>
+              <a:ext uri="{FF2B5EF4-FFF2-40B4-BE49-F238E27FC236}">
+                <a16:creationId xmlns:a16="http://schemas.microsoft.com/office/drawing/2014/main" id="{E85250EA-3ED1-4EF5-A0FA-A3BD268FAFDF}"/>
+              </a:ext>
+            </a:extLst>
+          </p:cNvPr>
+          <p:cNvSpPr txBox="1"/>
+          <p:nvPr/>
+        </p:nvSpPr>
+        <p:spPr>
+          <a:xfrm>
+            <a:off x="6472372" y="1252215"/>
+            <a:ext cx="1596981" cy="369332"/>
+          </a:xfrm>
+          <a:prstGeom prst="rect">
+            <a:avLst/>
+          </a:prstGeom>
+          <a:noFill/>
+        </p:spPr>
+        <p:txBody>
+          <a:bodyPr wrap="square" rtlCol="0">
+            <a:spAutoFit/>
+          </a:bodyPr>
+          <a:lstStyle/>
+          <a:p>
+            <a:pPr algn="ctr"/>
+            <a:r>
+              <a:rPr lang="fi-FI" dirty="0"/>
+              <a:t>GUI 2</a:t>
+            </a:r>
+          </a:p>
+        </p:txBody>
+      </p:sp>
+      <p:sp>
+        <p:nvSpPr>
+          <p:cNvPr id="59" name="Rectangle 58">
+            <a:extLst>
+              <a:ext uri="{FF2B5EF4-FFF2-40B4-BE49-F238E27FC236}">
+                <a16:creationId xmlns:a16="http://schemas.microsoft.com/office/drawing/2014/main" id="{45F809F2-CF5C-4479-9B50-843ED28A2E12}"/>
+              </a:ext>
+            </a:extLst>
+          </p:cNvPr>
+          <p:cNvSpPr/>
+          <p:nvPr/>
+        </p:nvSpPr>
+        <p:spPr>
+          <a:xfrm>
+            <a:off x="6119275" y="1224309"/>
+            <a:ext cx="2321416" cy="2107983"/>
+          </a:xfrm>
+          <a:prstGeom prst="rect">
+            <a:avLst/>
+          </a:prstGeom>
+          <a:noFill/>
+          <a:ln>
+            <a:solidFill>
+              <a:schemeClr val="tx1"/>
+            </a:solidFill>
+          </a:ln>
+        </p:spPr>
+        <p:style>
+          <a:lnRef idx="2">
+            <a:schemeClr val="accent1">
+              <a:shade val="50000"/>
+            </a:schemeClr>
+          </a:lnRef>
+          <a:fillRef idx="1">
+            <a:schemeClr val="accent1"/>
+          </a:fillRef>
+          <a:effectRef idx="0">
+            <a:schemeClr val="accent1"/>
+          </a:effectRef>
+          <a:fontRef idx="minor">
+            <a:schemeClr val="lt1"/>
+          </a:fontRef>
+        </p:style>
+        <p:txBody>
+          <a:bodyPr rtlCol="0" anchor="ctr"/>
+          <a:lstStyle/>
+          <a:p>
+            <a:pPr algn="ctr"/>
+            <a:endParaRPr lang="fi-FI"/>
+          </a:p>
+        </p:txBody>
+      </p:sp>
+      <p:cxnSp>
+        <p:nvCxnSpPr>
+          <p:cNvPr id="60" name="Straight Arrow Connector 59">
+            <a:extLst>
+              <a:ext uri="{FF2B5EF4-FFF2-40B4-BE49-F238E27FC236}">
+                <a16:creationId xmlns:a16="http://schemas.microsoft.com/office/drawing/2014/main" id="{125E01A9-9EC6-4A2F-A2D0-6A8BBE8171AB}"/>
+              </a:ext>
+            </a:extLst>
+          </p:cNvPr>
+          <p:cNvCxnSpPr>
+            <a:cxnSpLocks/>
+            <a:stCxn id="59" idx="2"/>
+            <a:endCxn id="27" idx="0"/>
+          </p:cNvCxnSpPr>
+          <p:nvPr/>
+        </p:nvCxnSpPr>
+        <p:spPr>
+          <a:xfrm flipH="1">
+            <a:off x="3060309" y="3332292"/>
+            <a:ext cx="4219674" cy="301983"/>
+          </a:xfrm>
+          <a:prstGeom prst="straightConnector1">
+            <a:avLst/>
+          </a:prstGeom>
+          <a:ln>
+            <a:solidFill>
+              <a:schemeClr val="tx1"/>
+            </a:solidFill>
+            <a:tailEnd type="triangle"/>
+          </a:ln>
+        </p:spPr>
+        <p:style>
+          <a:lnRef idx="1">
+            <a:schemeClr val="dk1"/>
+          </a:lnRef>
+          <a:fillRef idx="0">
+            <a:schemeClr val="dk1"/>
+          </a:fillRef>
+          <a:effectRef idx="0">
+            <a:schemeClr val="dk1"/>
+          </a:effectRef>
+          <a:fontRef idx="minor">
+            <a:schemeClr val="tx1"/>
+          </a:fontRef>
+        </p:style>
+      </p:cxnSp>
+      <p:cxnSp>
+        <p:nvCxnSpPr>
+          <p:cNvPr id="64" name="Straight Arrow Connector 63">
+            <a:extLst>
+              <a:ext uri="{FF2B5EF4-FFF2-40B4-BE49-F238E27FC236}">
+                <a16:creationId xmlns:a16="http://schemas.microsoft.com/office/drawing/2014/main" id="{14CF6C0F-903A-4AB2-A390-0D080836BE0A}"/>
+              </a:ext>
+            </a:extLst>
+          </p:cNvPr>
+          <p:cNvCxnSpPr>
+            <a:stCxn id="65" idx="2"/>
+          </p:cNvCxnSpPr>
+          <p:nvPr/>
+        </p:nvCxnSpPr>
+        <p:spPr>
+          <a:xfrm flipH="1">
+            <a:off x="7279490" y="680622"/>
+            <a:ext cx="493" cy="553085"/>
+          </a:xfrm>
+          <a:prstGeom prst="straightConnector1">
+            <a:avLst/>
+          </a:prstGeom>
+          <a:ln>
+            <a:solidFill>
+              <a:schemeClr val="tx1"/>
+            </a:solidFill>
+            <a:tailEnd type="triangle"/>
+          </a:ln>
+        </p:spPr>
+        <p:style>
+          <a:lnRef idx="1">
+            <a:schemeClr val="dk1"/>
+          </a:lnRef>
+          <a:fillRef idx="0">
+            <a:schemeClr val="dk1"/>
+          </a:fillRef>
+          <a:effectRef idx="0">
+            <a:schemeClr val="dk1"/>
+          </a:effectRef>
+          <a:fontRef idx="minor">
+            <a:schemeClr val="tx1"/>
+          </a:fontRef>
+        </p:style>
+      </p:cxnSp>
+      <p:sp>
+        <p:nvSpPr>
+          <p:cNvPr id="65" name="TextBox 64">
+            <a:extLst>
+              <a:ext uri="{FF2B5EF4-FFF2-40B4-BE49-F238E27FC236}">
+                <a16:creationId xmlns:a16="http://schemas.microsoft.com/office/drawing/2014/main" id="{1E6DEA85-F8F9-4777-8675-505BF79AC7D9}"/>
+              </a:ext>
+            </a:extLst>
+          </p:cNvPr>
+          <p:cNvSpPr txBox="1"/>
+          <p:nvPr/>
+        </p:nvSpPr>
+        <p:spPr>
+          <a:xfrm>
+            <a:off x="5824670" y="311290"/>
+            <a:ext cx="2910626" cy="369332"/>
+          </a:xfrm>
+          <a:prstGeom prst="rect">
+            <a:avLst/>
+          </a:prstGeom>
+          <a:noFill/>
+          <a:ln>
+            <a:solidFill>
+              <a:schemeClr val="tx1"/>
+            </a:solidFill>
+          </a:ln>
+        </p:spPr>
+        <p:txBody>
+          <a:bodyPr wrap="square" rtlCol="0">
+            <a:spAutoFit/>
+          </a:bodyPr>
+          <a:lstStyle/>
+          <a:p>
+            <a:pPr algn="ctr"/>
+            <a:r>
+              <a:rPr lang="fi-FI" dirty="0"/>
+              <a:t>http://&lt;public IP&gt;:3000/</a:t>
+            </a:r>
+          </a:p>
+        </p:txBody>
+      </p:sp>
+      <p:pic>
+        <p:nvPicPr>
+          <p:cNvPr id="63" name="Picture 62" descr="Icon&#10;&#10;Description automatically generated">
+            <a:extLst>
+              <a:ext uri="{FF2B5EF4-FFF2-40B4-BE49-F238E27FC236}">
+                <a16:creationId xmlns:a16="http://schemas.microsoft.com/office/drawing/2014/main" id="{89958361-D38D-4BF8-B911-50DCB72BE4F8}"/>
+              </a:ext>
+            </a:extLst>
+          </p:cNvPr>
+          <p:cNvPicPr>
+            <a:picLocks noChangeAspect="1"/>
+          </p:cNvPicPr>
+          <p:nvPr/>
+        </p:nvPicPr>
+        <p:blipFill>
+          <a:blip r:embed="rId5" cstate="print">
+            <a:extLst>
+              <a:ext uri="{28A0092B-C50C-407E-A947-70E740481C1C}">
+                <a14:useLocalDpi xmlns:a14="http://schemas.microsoft.com/office/drawing/2010/main" val="0"/>
+              </a:ext>
+            </a:extLst>
+          </a:blip>
+          <a:stretch>
+            <a:fillRect/>
+          </a:stretch>
+        </p:blipFill>
+        <p:spPr>
+          <a:xfrm>
+            <a:off x="6995842" y="2524392"/>
+            <a:ext cx="590891" cy="528425"/>
+          </a:xfrm>
+          <a:prstGeom prst="rect">
+            <a:avLst/>
+          </a:prstGeom>
+        </p:spPr>
+      </p:pic>
+      <p:pic>
+        <p:nvPicPr>
+          <p:cNvPr id="67" name="Picture 66" descr="A picture containing text, clock&#10;&#10;Description automatically generated">
+            <a:extLst>
+              <a:ext uri="{FF2B5EF4-FFF2-40B4-BE49-F238E27FC236}">
+                <a16:creationId xmlns:a16="http://schemas.microsoft.com/office/drawing/2014/main" id="{81C2D905-C011-4922-9C8E-C115CA9D912C}"/>
+              </a:ext>
+            </a:extLst>
+          </p:cNvPr>
+          <p:cNvPicPr>
+            <a:picLocks noChangeAspect="1"/>
+          </p:cNvPicPr>
+          <p:nvPr/>
+        </p:nvPicPr>
+        <p:blipFill>
+          <a:blip r:embed="rId6" cstate="print">
+            <a:extLst>
+              <a:ext uri="{28A0092B-C50C-407E-A947-70E740481C1C}">
+                <a14:useLocalDpi xmlns:a14="http://schemas.microsoft.com/office/drawing/2010/main" val="0"/>
+              </a:ext>
+            </a:extLst>
+          </a:blip>
+          <a:stretch>
+            <a:fillRect/>
+          </a:stretch>
+        </p:blipFill>
+        <p:spPr>
+          <a:xfrm>
+            <a:off x="2063563" y="5463824"/>
+            <a:ext cx="614016" cy="614016"/>
+          </a:xfrm>
+          <a:prstGeom prst="rect">
+            <a:avLst/>
+          </a:prstGeom>
+        </p:spPr>
+      </p:pic>
+      <p:pic>
+        <p:nvPicPr>
+          <p:cNvPr id="71" name="Picture 70" descr="A picture containing text, clipart&#10;&#10;Description automatically generated">
+            <a:extLst>
+              <a:ext uri="{FF2B5EF4-FFF2-40B4-BE49-F238E27FC236}">
+                <a16:creationId xmlns:a16="http://schemas.microsoft.com/office/drawing/2014/main" id="{62B18E3E-170E-4EDF-B2F6-4D64ACB7E54D}"/>
+              </a:ext>
+            </a:extLst>
+          </p:cNvPr>
+          <p:cNvPicPr>
+            <a:picLocks noChangeAspect="1"/>
+          </p:cNvPicPr>
+          <p:nvPr/>
+        </p:nvPicPr>
+        <p:blipFill>
+          <a:blip r:embed="rId7" cstate="print">
+            <a:extLst>
+              <a:ext uri="{28A0092B-C50C-407E-A947-70E740481C1C}">
+                <a14:useLocalDpi xmlns:a14="http://schemas.microsoft.com/office/drawing/2010/main" val="0"/>
+              </a:ext>
+            </a:extLst>
+          </a:blip>
+          <a:stretch>
+            <a:fillRect/>
+          </a:stretch>
+        </p:blipFill>
+        <p:spPr>
+          <a:xfrm>
+            <a:off x="8878171" y="3157592"/>
+            <a:ext cx="2702886" cy="1298145"/>
+          </a:xfrm>
+          <a:prstGeom prst="rect">
+            <a:avLst/>
+          </a:prstGeom>
+        </p:spPr>
+      </p:pic>
+      <p:pic>
+        <p:nvPicPr>
+          <p:cNvPr id="73" name="Picture 72" descr="Icon&#10;&#10;Description automatically generated">
+            <a:extLst>
+              <a:ext uri="{FF2B5EF4-FFF2-40B4-BE49-F238E27FC236}">
+                <a16:creationId xmlns:a16="http://schemas.microsoft.com/office/drawing/2014/main" id="{6591E824-85E4-406D-ADA0-E0B6221827DB}"/>
+              </a:ext>
+            </a:extLst>
+          </p:cNvPr>
+          <p:cNvPicPr>
+            <a:picLocks noChangeAspect="1"/>
+          </p:cNvPicPr>
+          <p:nvPr/>
+        </p:nvPicPr>
+        <p:blipFill>
+          <a:blip r:embed="rId8" cstate="print">
+            <a:extLst>
+              <a:ext uri="{28A0092B-C50C-407E-A947-70E740481C1C}">
+                <a14:useLocalDpi xmlns:a14="http://schemas.microsoft.com/office/drawing/2010/main" val="0"/>
+              </a:ext>
+            </a:extLst>
+          </a:blip>
+          <a:stretch>
+            <a:fillRect/>
+          </a:stretch>
+        </p:blipFill>
+        <p:spPr>
+          <a:xfrm>
+            <a:off x="2811489" y="1758498"/>
+            <a:ext cx="669089" cy="479830"/>
+          </a:xfrm>
+          <a:prstGeom prst="rect">
+            <a:avLst/>
+          </a:prstGeom>
+        </p:spPr>
+      </p:pic>
+      <p:pic>
+        <p:nvPicPr>
+          <p:cNvPr id="78" name="Picture 77" descr="Icon&#10;&#10;Description automatically generated">
+            <a:extLst>
+              <a:ext uri="{FF2B5EF4-FFF2-40B4-BE49-F238E27FC236}">
+                <a16:creationId xmlns:a16="http://schemas.microsoft.com/office/drawing/2014/main" id="{9B2A0B51-0DE0-4F2B-A0EC-DFBD9081A472}"/>
+              </a:ext>
+            </a:extLst>
+          </p:cNvPr>
+          <p:cNvPicPr>
+            <a:picLocks noChangeAspect="1"/>
+          </p:cNvPicPr>
+          <p:nvPr/>
+        </p:nvPicPr>
+        <p:blipFill>
+          <a:blip r:embed="rId8" cstate="print">
+            <a:extLst>
+              <a:ext uri="{28A0092B-C50C-407E-A947-70E740481C1C}">
+                <a14:useLocalDpi xmlns:a14="http://schemas.microsoft.com/office/drawing/2010/main" val="0"/>
+              </a:ext>
+            </a:extLst>
+          </a:blip>
+          <a:stretch>
+            <a:fillRect/>
+          </a:stretch>
+        </p:blipFill>
+        <p:spPr>
+          <a:xfrm>
+            <a:off x="6944945" y="1741143"/>
+            <a:ext cx="669089" cy="479830"/>
+          </a:xfrm>
+          <a:prstGeom prst="rect">
+            <a:avLst/>
+          </a:prstGeom>
+        </p:spPr>
+      </p:pic>
+      <p:pic>
+        <p:nvPicPr>
+          <p:cNvPr id="79" name="Picture 78" descr="Icon&#10;&#10;Description automatically generated">
+            <a:extLst>
+              <a:ext uri="{FF2B5EF4-FFF2-40B4-BE49-F238E27FC236}">
+                <a16:creationId xmlns:a16="http://schemas.microsoft.com/office/drawing/2014/main" id="{1FE3666C-06E8-41B6-BDDD-93998E083C09}"/>
+              </a:ext>
+            </a:extLst>
+          </p:cNvPr>
+          <p:cNvPicPr>
+            <a:picLocks noChangeAspect="1"/>
+          </p:cNvPicPr>
+          <p:nvPr/>
+        </p:nvPicPr>
+        <p:blipFill>
+          <a:blip r:embed="rId8" cstate="print">
+            <a:extLst>
+              <a:ext uri="{28A0092B-C50C-407E-A947-70E740481C1C}">
+                <a14:useLocalDpi xmlns:a14="http://schemas.microsoft.com/office/drawing/2010/main" val="0"/>
+              </a:ext>
+            </a:extLst>
+          </a:blip>
+          <a:stretch>
+            <a:fillRect/>
+          </a:stretch>
+        </p:blipFill>
+        <p:spPr>
+          <a:xfrm>
+            <a:off x="2725764" y="4806639"/>
+            <a:ext cx="669089" cy="479830"/>
+          </a:xfrm>
+          <a:prstGeom prst="rect">
+            <a:avLst/>
+          </a:prstGeom>
+        </p:spPr>
+      </p:pic>
+      <p:pic>
+        <p:nvPicPr>
+          <p:cNvPr id="80" name="Picture 79" descr="Icon&#10;&#10;Description automatically generated">
+            <a:extLst>
+              <a:ext uri="{FF2B5EF4-FFF2-40B4-BE49-F238E27FC236}">
+                <a16:creationId xmlns:a16="http://schemas.microsoft.com/office/drawing/2014/main" id="{39466D89-C66F-4293-AED6-CA334502D344}"/>
+              </a:ext>
+            </a:extLst>
+          </p:cNvPr>
+          <p:cNvPicPr>
+            <a:picLocks noChangeAspect="1"/>
+          </p:cNvPicPr>
+          <p:nvPr/>
+        </p:nvPicPr>
+        <p:blipFill>
+          <a:blip r:embed="rId8" cstate="print">
+            <a:extLst>
+              <a:ext uri="{28A0092B-C50C-407E-A947-70E740481C1C}">
+                <a14:useLocalDpi xmlns:a14="http://schemas.microsoft.com/office/drawing/2010/main" val="0"/>
+              </a:ext>
+            </a:extLst>
+          </a:blip>
+          <a:stretch>
+            <a:fillRect/>
+          </a:stretch>
+        </p:blipFill>
+        <p:spPr>
+          <a:xfrm>
+            <a:off x="6944945" y="4812885"/>
+            <a:ext cx="669089" cy="479830"/>
+          </a:xfrm>
+          <a:prstGeom prst="rect">
+            <a:avLst/>
+          </a:prstGeom>
+        </p:spPr>
+      </p:pic>
     </p:spTree>
     <p:extLst>
       <p:ext uri="{BB962C8B-B14F-4D97-AF65-F5344CB8AC3E}">
